--- a/docs/IP_analyser.pptx
+++ b/docs/IP_analyser.pptx
@@ -219,7 +219,7 @@
           <a:p>
             <a:fld id="{23255810-97CB-9546-938B-8000B30BFC28}" type="datetimeFigureOut">
               <a:rPr lang="en-US" smtClean="0"/>
-              <a:t>11/27/24</a:t>
+              <a:t>1/15/2026</a:t>
             </a:fld>
             <a:endParaRPr lang="en-US"/>
           </a:p>
@@ -636,7 +636,7 @@
           <a:p>
             <a:fld id="{3351283F-D78B-D24B-8AF2-09D6AD9AFD24}" type="datetime1">
               <a:rPr lang="en-IN" smtClean="0"/>
-              <a:t>27/11/24</a:t>
+              <a:t>15-01-2026</a:t>
             </a:fld>
             <a:endParaRPr lang="en-US"/>
           </a:p>
@@ -836,7 +836,7 @@
           <a:p>
             <a:fld id="{4B064084-0EA2-F749-A398-206544F5E1BC}" type="datetime1">
               <a:rPr lang="en-IN" smtClean="0"/>
-              <a:t>27/11/24</a:t>
+              <a:t>15-01-2026</a:t>
             </a:fld>
             <a:endParaRPr lang="en-US"/>
           </a:p>
@@ -1046,7 +1046,7 @@
           <a:p>
             <a:fld id="{A37FDC0B-8293-484C-BD2F-928E78E8FBB1}" type="datetime1">
               <a:rPr lang="en-IN" smtClean="0"/>
-              <a:t>27/11/24</a:t>
+              <a:t>15-01-2026</a:t>
             </a:fld>
             <a:endParaRPr lang="en-US"/>
           </a:p>
@@ -1246,7 +1246,7 @@
           <a:p>
             <a:fld id="{0C11454D-A4CA-DC4A-B243-34876CAA8093}" type="datetime1">
               <a:rPr lang="en-IN" smtClean="0"/>
-              <a:t>27/11/24</a:t>
+              <a:t>15-01-2026</a:t>
             </a:fld>
             <a:endParaRPr lang="en-US"/>
           </a:p>
@@ -1522,7 +1522,7 @@
           <a:p>
             <a:fld id="{D02CD136-4F4A-FD42-83BF-5DA8C96F46D8}" type="datetime1">
               <a:rPr lang="en-IN" smtClean="0"/>
-              <a:t>27/11/24</a:t>
+              <a:t>15-01-2026</a:t>
             </a:fld>
             <a:endParaRPr lang="en-US"/>
           </a:p>
@@ -1790,7 +1790,7 @@
           <a:p>
             <a:fld id="{9A8C430B-FDAC-B74D-8F9F-52E3D8368A32}" type="datetime1">
               <a:rPr lang="en-IN" smtClean="0"/>
-              <a:t>27/11/24</a:t>
+              <a:t>15-01-2026</a:t>
             </a:fld>
             <a:endParaRPr lang="en-US"/>
           </a:p>
@@ -2205,7 +2205,7 @@
           <a:p>
             <a:fld id="{EA654645-7B48-3647-912F-AB6CF57CA4AA}" type="datetime1">
               <a:rPr lang="en-IN" smtClean="0"/>
-              <a:t>27/11/24</a:t>
+              <a:t>15-01-2026</a:t>
             </a:fld>
             <a:endParaRPr lang="en-US"/>
           </a:p>
@@ -2347,7 +2347,7 @@
           <a:p>
             <a:fld id="{7C834290-FA9A-D048-A162-C5BE2BA9DB69}" type="datetime1">
               <a:rPr lang="en-IN" smtClean="0"/>
-              <a:t>27/11/24</a:t>
+              <a:t>15-01-2026</a:t>
             </a:fld>
             <a:endParaRPr lang="en-US"/>
           </a:p>
@@ -2460,7 +2460,7 @@
           <a:p>
             <a:fld id="{1D1F27B7-FFBC-DD48-85B0-015E8BE4EF5D}" type="datetime1">
               <a:rPr lang="en-IN" smtClean="0"/>
-              <a:t>27/11/24</a:t>
+              <a:t>15-01-2026</a:t>
             </a:fld>
             <a:endParaRPr lang="en-US"/>
           </a:p>
@@ -2773,7 +2773,7 @@
           <a:p>
             <a:fld id="{24D08C84-82F3-ED41-A1C0-F1B02C6D2031}" type="datetime1">
               <a:rPr lang="en-IN" smtClean="0"/>
-              <a:t>27/11/24</a:t>
+              <a:t>15-01-2026</a:t>
             </a:fld>
             <a:endParaRPr lang="en-US"/>
           </a:p>
@@ -3062,7 +3062,7 @@
           <a:p>
             <a:fld id="{4FFDBAED-2C48-944D-A16D-CB2389784B12}" type="datetime1">
               <a:rPr lang="en-IN" smtClean="0"/>
-              <a:t>27/11/24</a:t>
+              <a:t>15-01-2026</a:t>
             </a:fld>
             <a:endParaRPr lang="en-US"/>
           </a:p>
@@ -3305,7 +3305,7 @@
           <a:p>
             <a:fld id="{F5514896-41AA-064A-80DB-EA737677DF7F}" type="datetime1">
               <a:rPr lang="en-IN" smtClean="0"/>
-              <a:t>27/11/24</a:t>
+              <a:t>15-01-2026</a:t>
             </a:fld>
             <a:endParaRPr lang="en-US"/>
           </a:p>
@@ -3773,18 +3773,9 @@
           <a:lstStyle/>
           <a:p>
             <a:r>
-              <a:rPr lang="en-US" dirty="0" err="1"/>
-              <a:t>Cebajel</a:t>
-            </a:r>
-            <a:r>
               <a:rPr lang="en-US" dirty="0"/>
-              <a:t> </a:t>
-            </a:r>
-            <a:r>
-              <a:rPr lang="en-US" dirty="0" err="1"/>
-              <a:t>Tanan</a:t>
-            </a:r>
-            <a:endParaRPr lang="en-US" dirty="0"/>
+              <a:t>Anuj Tiwari</a:t>
+            </a:r>
           </a:p>
         </p:txBody>
       </p:sp>
